--- a/ppt/apx515_instrument.pptx
+++ b/ppt/apx515_instrument.pptx
@@ -11,6 +11,7 @@
     <p:sldId id="259" r:id="rId5"/>
     <p:sldId id="260" r:id="rId6"/>
     <p:sldId id="261" r:id="rId7"/>
+    <p:sldId id="262" r:id="rId8"/>
   </p:sldIdLst>
   <p:sldSz cx="12192000" cy="6858000"/>
   <p:notesSz cx="6858000" cy="9144000"/>
@@ -264,7 +265,7 @@
           <a:p>
             <a:fld id="{FBBA4E12-E3D6-44C4-9D79-26F3D89FE95D}" type="datetimeFigureOut">
               <a:rPr lang="zh-TW" altLang="en-US" smtClean="0"/>
-              <a:t>2019/12/16</a:t>
+              <a:t>2019/12/17</a:t>
             </a:fld>
             <a:endParaRPr lang="zh-TW" altLang="en-US"/>
           </a:p>
@@ -462,7 +463,7 @@
           <a:p>
             <a:fld id="{FBBA4E12-E3D6-44C4-9D79-26F3D89FE95D}" type="datetimeFigureOut">
               <a:rPr lang="zh-TW" altLang="en-US" smtClean="0"/>
-              <a:t>2019/12/16</a:t>
+              <a:t>2019/12/17</a:t>
             </a:fld>
             <a:endParaRPr lang="zh-TW" altLang="en-US"/>
           </a:p>
@@ -670,7 +671,7 @@
           <a:p>
             <a:fld id="{FBBA4E12-E3D6-44C4-9D79-26F3D89FE95D}" type="datetimeFigureOut">
               <a:rPr lang="zh-TW" altLang="en-US" smtClean="0"/>
-              <a:t>2019/12/16</a:t>
+              <a:t>2019/12/17</a:t>
             </a:fld>
             <a:endParaRPr lang="zh-TW" altLang="en-US"/>
           </a:p>
@@ -868,7 +869,7 @@
           <a:p>
             <a:fld id="{FBBA4E12-E3D6-44C4-9D79-26F3D89FE95D}" type="datetimeFigureOut">
               <a:rPr lang="zh-TW" altLang="en-US" smtClean="0"/>
-              <a:t>2019/12/16</a:t>
+              <a:t>2019/12/17</a:t>
             </a:fld>
             <a:endParaRPr lang="zh-TW" altLang="en-US"/>
           </a:p>
@@ -1143,7 +1144,7 @@
           <a:p>
             <a:fld id="{FBBA4E12-E3D6-44C4-9D79-26F3D89FE95D}" type="datetimeFigureOut">
               <a:rPr lang="zh-TW" altLang="en-US" smtClean="0"/>
-              <a:t>2019/12/16</a:t>
+              <a:t>2019/12/17</a:t>
             </a:fld>
             <a:endParaRPr lang="zh-TW" altLang="en-US"/>
           </a:p>
@@ -1408,7 +1409,7 @@
           <a:p>
             <a:fld id="{FBBA4E12-E3D6-44C4-9D79-26F3D89FE95D}" type="datetimeFigureOut">
               <a:rPr lang="zh-TW" altLang="en-US" smtClean="0"/>
-              <a:t>2019/12/16</a:t>
+              <a:t>2019/12/17</a:t>
             </a:fld>
             <a:endParaRPr lang="zh-TW" altLang="en-US"/>
           </a:p>
@@ -1820,7 +1821,7 @@
           <a:p>
             <a:fld id="{FBBA4E12-E3D6-44C4-9D79-26F3D89FE95D}" type="datetimeFigureOut">
               <a:rPr lang="zh-TW" altLang="en-US" smtClean="0"/>
-              <a:t>2019/12/16</a:t>
+              <a:t>2019/12/17</a:t>
             </a:fld>
             <a:endParaRPr lang="zh-TW" altLang="en-US"/>
           </a:p>
@@ -1961,7 +1962,7 @@
           <a:p>
             <a:fld id="{FBBA4E12-E3D6-44C4-9D79-26F3D89FE95D}" type="datetimeFigureOut">
               <a:rPr lang="zh-TW" altLang="en-US" smtClean="0"/>
-              <a:t>2019/12/16</a:t>
+              <a:t>2019/12/17</a:t>
             </a:fld>
             <a:endParaRPr lang="zh-TW" altLang="en-US"/>
           </a:p>
@@ -2074,7 +2075,7 @@
           <a:p>
             <a:fld id="{FBBA4E12-E3D6-44C4-9D79-26F3D89FE95D}" type="datetimeFigureOut">
               <a:rPr lang="zh-TW" altLang="en-US" smtClean="0"/>
-              <a:t>2019/12/16</a:t>
+              <a:t>2019/12/17</a:t>
             </a:fld>
             <a:endParaRPr lang="zh-TW" altLang="en-US"/>
           </a:p>
@@ -2385,7 +2386,7 @@
           <a:p>
             <a:fld id="{FBBA4E12-E3D6-44C4-9D79-26F3D89FE95D}" type="datetimeFigureOut">
               <a:rPr lang="zh-TW" altLang="en-US" smtClean="0"/>
-              <a:t>2019/12/16</a:t>
+              <a:t>2019/12/17</a:t>
             </a:fld>
             <a:endParaRPr lang="zh-TW" altLang="en-US"/>
           </a:p>
@@ -2673,7 +2674,7 @@
           <a:p>
             <a:fld id="{FBBA4E12-E3D6-44C4-9D79-26F3D89FE95D}" type="datetimeFigureOut">
               <a:rPr lang="zh-TW" altLang="en-US" smtClean="0"/>
-              <a:t>2019/12/16</a:t>
+              <a:t>2019/12/17</a:t>
             </a:fld>
             <a:endParaRPr lang="zh-TW" altLang="en-US"/>
           </a:p>
@@ -2914,7 +2915,7 @@
           <a:p>
             <a:fld id="{FBBA4E12-E3D6-44C4-9D79-26F3D89FE95D}" type="datetimeFigureOut">
               <a:rPr lang="zh-TW" altLang="en-US" smtClean="0"/>
-              <a:t>2019/12/16</a:t>
+              <a:t>2019/12/17</a:t>
             </a:fld>
             <a:endParaRPr lang="zh-TW" altLang="en-US"/>
           </a:p>
@@ -4464,7 +4465,7 @@
             </a:r>
             <a:r>
               <a:rPr lang="zh-TW" altLang="en-US" sz="1800" dirty="0"/>
-              <a:t>，可進行控制</a:t>
+              <a:t>，可進行控制與測量</a:t>
             </a:r>
             <a:endParaRPr lang="en-US" sz="1800" dirty="0"/>
           </a:p>
@@ -4532,6 +4533,14 @@
 <file path=ppt/slides/slide6.xml><?xml version="1.0" encoding="utf-8"?>
 <p:sld xmlns:a="http://schemas.openxmlformats.org/drawingml/2006/main" xmlns:r="http://schemas.openxmlformats.org/officeDocument/2006/relationships" xmlns:p="http://schemas.openxmlformats.org/presentationml/2006/main">
   <p:cSld>
+    <p:bg>
+      <p:bgPr>
+        <a:solidFill>
+          <a:schemeClr val="bg1"/>
+        </a:solidFill>
+        <a:effectLst/>
+      </p:bgPr>
+    </p:bg>
     <p:spTree>
       <p:nvGrpSpPr>
         <p:cNvPr id="1" name=""/>
@@ -4610,43 +4619,375 @@
           <a:lstStyle/>
           <a:p>
             <a:r>
-              <a:rPr lang="en-US" sz="1800" dirty="0"/>
-              <a:t>Pc interface (</a:t>
-            </a:r>
-            <a:r>
-              <a:rPr lang="en-US" sz="1800" dirty="0" err="1"/>
-              <a:t>usb</a:t>
-            </a:r>
-            <a:r>
-              <a:rPr lang="en-US" sz="1800" dirty="0"/>
+              <a:rPr lang="zh-TW" altLang="en-US" sz="1800" dirty="0"/>
+              <a:t>音訊線</a:t>
+            </a:r>
+            <a:endParaRPr lang="en-US" altLang="zh-TW" sz="1800" dirty="0"/>
+          </a:p>
+          <a:p>
+            <a:r>
+              <a:rPr lang="zh-TW" altLang="en-US" sz="1800" dirty="0"/>
+              <a:t>若要測輸出</a:t>
+            </a:r>
+            <a:r>
+              <a:rPr lang="en-US" altLang="zh-TW" sz="1800" dirty="0"/>
+              <a:t>(</a:t>
+            </a:r>
+            <a:r>
+              <a:rPr lang="zh-TW" altLang="en-US" sz="1800" dirty="0"/>
+              <a:t>音訊播放</a:t>
+            </a:r>
+            <a:r>
+              <a:rPr lang="en-US" altLang="zh-TW" sz="1800" dirty="0"/>
               <a:t>)</a:t>
             </a:r>
-          </a:p>
-          <a:p>
-            <a:r>
-              <a:rPr lang="en-US" altLang="zh-TW" sz="1800" dirty="0" err="1"/>
-              <a:t>usb</a:t>
-            </a:r>
             <a:r>
               <a:rPr lang="zh-TW" altLang="en-US" sz="1800" dirty="0"/>
-              <a:t>接到</a:t>
-            </a:r>
-            <a:r>
-              <a:rPr lang="en-US" altLang="zh-TW" sz="1800" dirty="0"/>
-              <a:t>pc</a:t>
-            </a:r>
+              <a:t>，必須接上負載電阻</a:t>
+            </a:r>
+            <a:endParaRPr lang="en-US" altLang="zh-TW" sz="1800" dirty="0"/>
+          </a:p>
+          <a:p>
             <a:r>
               <a:rPr lang="zh-TW" altLang="en-US" sz="1800" dirty="0"/>
-              <a:t>，可進行控制</a:t>
+              <a:t>音訊連結待測物</a:t>
             </a:r>
             <a:endParaRPr lang="en-US" sz="1800" dirty="0"/>
           </a:p>
         </p:txBody>
       </p:sp>
+      <p:pic>
+        <p:nvPicPr>
+          <p:cNvPr id="1026" name="Picture 2">
+            <a:extLst>
+              <a:ext uri="{FF2B5EF4-FFF2-40B4-BE49-F238E27FC236}">
+                <a16:creationId xmlns:a16="http://schemas.microsoft.com/office/drawing/2014/main" id="{7FA3D6EE-6A90-42E0-9987-EF71A9787DF7}"/>
+              </a:ext>
+            </a:extLst>
+          </p:cNvPr>
+          <p:cNvPicPr>
+            <a:picLocks noChangeAspect="1" noChangeArrowheads="1"/>
+          </p:cNvPicPr>
+          <p:nvPr/>
+        </p:nvPicPr>
+        <p:blipFill rotWithShape="1">
+          <a:blip r:embed="rId2">
+            <a:extLst>
+              <a:ext uri="{28A0092B-C50C-407E-A947-70E740481C1C}">
+                <a14:useLocalDpi xmlns:a14="http://schemas.microsoft.com/office/drawing/2010/main" val="0"/>
+              </a:ext>
+            </a:extLst>
+          </a:blip>
+          <a:srcRect t="11249" r="-2" b="20650"/>
+          <a:stretch/>
+        </p:blipFill>
+        <p:spPr bwMode="auto">
+          <a:xfrm>
+            <a:off x="4639056" y="10"/>
+            <a:ext cx="7552944" cy="6857990"/>
+          </a:xfrm>
+          <a:prstGeom prst="rect">
+            <a:avLst/>
+          </a:prstGeom>
+          <a:noFill/>
+          <a:effectLst/>
+          <a:extLst>
+            <a:ext uri="{909E8E84-426E-40DD-AFC4-6F175D3DCCD1}">
+              <a14:hiddenFill xmlns:a14="http://schemas.microsoft.com/office/drawing/2010/main">
+                <a:solidFill>
+                  <a:srgbClr val="FFFFFF"/>
+                </a:solidFill>
+              </a14:hiddenFill>
+            </a:ext>
+          </a:extLst>
+        </p:spPr>
+      </p:pic>
     </p:spTree>
     <p:extLst>
       <p:ext uri="{BB962C8B-B14F-4D97-AF65-F5344CB8AC3E}">
         <p14:creationId xmlns:p14="http://schemas.microsoft.com/office/powerpoint/2010/main" val="4140352205"/>
+      </p:ext>
+    </p:extLst>
+  </p:cSld>
+  <p:clrMapOvr>
+    <a:masterClrMapping/>
+  </p:clrMapOvr>
+</p:sld>
+</file>
+
+<file path=ppt/slides/slide7.xml><?xml version="1.0" encoding="utf-8"?>
+<p:sld xmlns:a="http://schemas.openxmlformats.org/drawingml/2006/main" xmlns:r="http://schemas.openxmlformats.org/officeDocument/2006/relationships" xmlns:p="http://schemas.openxmlformats.org/presentationml/2006/main">
+  <p:cSld>
+    <p:spTree>
+      <p:nvGrpSpPr>
+        <p:cNvPr id="1" name=""/>
+        <p:cNvGrpSpPr/>
+        <p:nvPr/>
+      </p:nvGrpSpPr>
+      <p:grpSpPr>
+        <a:xfrm>
+          <a:off x="0" y="0"/>
+          <a:ext cx="0" cy="0"/>
+          <a:chOff x="0" y="0"/>
+          <a:chExt cx="0" cy="0"/>
+        </a:xfrm>
+      </p:grpSpPr>
+      <p:sp>
+        <p:nvSpPr>
+          <p:cNvPr id="2" name="標題 1">
+            <a:extLst>
+              <a:ext uri="{FF2B5EF4-FFF2-40B4-BE49-F238E27FC236}">
+                <a16:creationId xmlns:a16="http://schemas.microsoft.com/office/drawing/2014/main" id="{AF1C7564-8B42-44C3-85F8-F44F6F6D2808}"/>
+              </a:ext>
+            </a:extLst>
+          </p:cNvPr>
+          <p:cNvSpPr>
+            <a:spLocks noGrp="1"/>
+          </p:cNvSpPr>
+          <p:nvPr>
+            <p:ph type="title"/>
+          </p:nvPr>
+        </p:nvSpPr>
+        <p:spPr>
+          <a:xfrm>
+            <a:off x="648929" y="197945"/>
+            <a:ext cx="3651467" cy="1676603"/>
+          </a:xfrm>
+        </p:spPr>
+        <p:txBody>
+          <a:bodyPr>
+            <a:normAutofit/>
+          </a:bodyPr>
+          <a:lstStyle/>
+          <a:p>
+            <a:r>
+              <a:rPr lang="zh-TW" altLang="en-US" dirty="0"/>
+              <a:t>網站資源</a:t>
+            </a:r>
+          </a:p>
+        </p:txBody>
+      </p:sp>
+      <p:sp>
+        <p:nvSpPr>
+          <p:cNvPr id="3078" name="Content Placeholder 3077">
+            <a:extLst>
+              <a:ext uri="{FF2B5EF4-FFF2-40B4-BE49-F238E27FC236}">
+                <a16:creationId xmlns:a16="http://schemas.microsoft.com/office/drawing/2014/main" id="{77A18139-36A3-499B-8C65-2EE6DFA4C44B}"/>
+              </a:ext>
+            </a:extLst>
+          </p:cNvPr>
+          <p:cNvSpPr>
+            <a:spLocks noGrp="1"/>
+          </p:cNvSpPr>
+          <p:nvPr>
+            <p:ph idx="1"/>
+          </p:nvPr>
+        </p:nvSpPr>
+        <p:spPr>
+          <a:xfrm>
+            <a:off x="459148" y="1570796"/>
+            <a:ext cx="10894142" cy="4950774"/>
+          </a:xfrm>
+        </p:spPr>
+        <p:txBody>
+          <a:bodyPr>
+            <a:normAutofit fontScale="92500" lnSpcReduction="20000"/>
+          </a:bodyPr>
+          <a:lstStyle/>
+          <a:p>
+            <a:r>
+              <a:rPr lang="en-US" altLang="zh-TW" sz="1800" dirty="0"/>
+              <a:t>-   APx500 Measurement Software:</a:t>
+            </a:r>
+          </a:p>
+          <a:p>
+            <a:r>
+              <a:rPr lang="en-US" altLang="zh-TW" sz="1800" dirty="0"/>
+              <a:t>    https://www.ap.com/download/apx500-measurement-software-22/</a:t>
+            </a:r>
+          </a:p>
+          <a:p>
+            <a:r>
+              <a:rPr lang="en-US" altLang="zh-TW" sz="1800" dirty="0"/>
+              <a:t>-   </a:t>
+            </a:r>
+            <a:r>
+              <a:rPr lang="zh-TW" altLang="en-US" sz="1800" dirty="0"/>
+              <a:t>新</a:t>
+            </a:r>
+            <a:r>
+              <a:rPr lang="en-US" altLang="zh-TW" sz="1800" dirty="0"/>
+              <a:t>2700</a:t>
+            </a:r>
+            <a:r>
+              <a:rPr lang="zh-TW" altLang="en-US" sz="1800" dirty="0"/>
+              <a:t>系列 </a:t>
+            </a:r>
+            <a:r>
+              <a:rPr lang="en-US" altLang="zh-TW" sz="1800" dirty="0"/>
+              <a:t>[http://www.audiotech.com.tw/DnLoad/2700 Series</a:t>
+            </a:r>
+          </a:p>
+          <a:p>
+            <a:r>
+              <a:rPr lang="en-US" altLang="zh-TW" sz="1800" dirty="0"/>
+              <a:t>    Brochure.pdf](http://www.audiotech.com.tw/DnLoad/2700%20Series%20Brochure.pdf)</a:t>
+            </a:r>
+          </a:p>
+          <a:p>
+            <a:r>
+              <a:rPr lang="en-US" altLang="zh-TW" sz="1800" dirty="0"/>
+              <a:t>-   </a:t>
+            </a:r>
+            <a:r>
+              <a:rPr lang="en-US" altLang="zh-TW" sz="1800" dirty="0" err="1"/>
+              <a:t>APx</a:t>
+            </a:r>
+            <a:r>
+              <a:rPr lang="zh-TW" altLang="en-US" sz="1800" dirty="0"/>
+              <a:t>系列音頻分析儀</a:t>
+            </a:r>
+          </a:p>
+          <a:p>
+            <a:r>
+              <a:rPr lang="zh-TW" altLang="en-US" sz="1800" dirty="0"/>
+              <a:t>    </a:t>
+            </a:r>
+            <a:r>
+              <a:rPr lang="en-US" altLang="zh-TW" sz="1800" dirty="0"/>
+              <a:t>http://www.audiotech.com.tw/DnLoad/APx\_Series\_Catalog.pdf</a:t>
+            </a:r>
+          </a:p>
+          <a:p>
+            <a:r>
+              <a:rPr lang="en-US" altLang="zh-TW" sz="1800" dirty="0"/>
+              <a:t>-   </a:t>
+            </a:r>
+            <a:r>
+              <a:rPr lang="zh-TW" altLang="en-US" sz="1800" dirty="0"/>
+              <a:t>標準麥克風 </a:t>
+            </a:r>
+            <a:r>
+              <a:rPr lang="en-US" altLang="zh-TW" sz="1800" dirty="0"/>
+              <a:t>http://www.audiotech.com.tw/DnLoad/378M32.pdf</a:t>
+            </a:r>
+          </a:p>
+          <a:p>
+            <a:r>
+              <a:rPr lang="en-US" altLang="zh-TW" sz="1800" dirty="0"/>
+              <a:t>-   </a:t>
+            </a:r>
+            <a:r>
+              <a:rPr lang="zh-TW" altLang="en-US" sz="1800" dirty="0"/>
+              <a:t>耳機量測治具</a:t>
+            </a:r>
+          </a:p>
+          <a:p>
+            <a:r>
+              <a:rPr lang="zh-TW" altLang="en-US" sz="1800" dirty="0"/>
+              <a:t>    </a:t>
+            </a:r>
+            <a:r>
+              <a:rPr lang="en-US" altLang="zh-TW" sz="1800" dirty="0"/>
+              <a:t>http://www.audiotech.com.tw/DnLoad/AECM206\_HTF\_Data\_Sheet.pdf</a:t>
+            </a:r>
+          </a:p>
+          <a:p>
+            <a:r>
+              <a:rPr lang="en-US" altLang="zh-TW" sz="1800" dirty="0"/>
+              <a:t>-   </a:t>
+            </a:r>
+            <a:r>
+              <a:rPr lang="zh-TW" altLang="en-US" sz="1800" dirty="0"/>
+              <a:t>喇叭、麥克風量測周邊 </a:t>
+            </a:r>
+            <a:r>
+              <a:rPr lang="en-US" altLang="zh-TW" sz="1800" dirty="0"/>
+              <a:t>http://www.audiotech.com.tw/DnLoad/APx1701.pdf</a:t>
+            </a:r>
+          </a:p>
+          <a:p>
+            <a:r>
+              <a:rPr lang="en-US" altLang="zh-TW" sz="1800" dirty="0"/>
+              <a:t>-   APx500</a:t>
+            </a:r>
+            <a:r>
+              <a:rPr lang="zh-TW" altLang="en-US" sz="1800" dirty="0"/>
+              <a:t>軟體選購指南</a:t>
+            </a:r>
+          </a:p>
+          <a:p>
+            <a:r>
+              <a:rPr lang="zh-TW" altLang="en-US" sz="1800" dirty="0"/>
+              <a:t>    </a:t>
+            </a:r>
+            <a:r>
+              <a:rPr lang="en-US" altLang="zh-TW" sz="1800" dirty="0"/>
+              <a:t>http://www.audiotech.com.tw/DnLoad/APx500\_Software\_Options.pdf</a:t>
+            </a:r>
+          </a:p>
+          <a:p>
+            <a:endParaRPr lang="en-US" altLang="zh-TW" sz="1800" dirty="0"/>
+          </a:p>
+          <a:p>
+            <a:r>
+              <a:rPr lang="en-US" altLang="zh-TW" sz="1800" dirty="0"/>
+              <a:t>-   </a:t>
+            </a:r>
+            <a:r>
+              <a:rPr lang="zh-TW" altLang="en-US" sz="1800" dirty="0"/>
+              <a:t>精音儀科技有限公司　</a:t>
+            </a:r>
+            <a:r>
+              <a:rPr lang="en-US" altLang="zh-TW" sz="1800" dirty="0"/>
+              <a:t>http://www.audiotech.com.tw</a:t>
+            </a:r>
+          </a:p>
+          <a:p>
+            <a:r>
+              <a:rPr lang="en-US" altLang="zh-TW" sz="1800" dirty="0"/>
+              <a:t>    </a:t>
+            </a:r>
+            <a:r>
+              <a:rPr lang="zh-TW" altLang="en-US" sz="1800" dirty="0"/>
+              <a:t>電話：</a:t>
+            </a:r>
+            <a:r>
+              <a:rPr lang="en-US" altLang="zh-TW" sz="1800" dirty="0"/>
+              <a:t>(02)2792-0199</a:t>
+            </a:r>
+            <a:r>
+              <a:rPr lang="zh-TW" altLang="en-US" sz="1800" dirty="0"/>
+              <a:t>　傳真：</a:t>
+            </a:r>
+            <a:r>
+              <a:rPr lang="en-US" altLang="zh-TW" sz="1800" dirty="0"/>
+              <a:t>(02)2794-9462 </a:t>
+            </a:r>
+            <a:r>
+              <a:rPr lang="zh-TW" altLang="en-US" sz="1800" dirty="0"/>
+              <a:t>產品諮詢：嚴鴻麟</a:t>
+            </a:r>
+          </a:p>
+          <a:p>
+            <a:r>
+              <a:rPr lang="zh-TW" altLang="en-US" sz="1800" dirty="0"/>
+              <a:t>    </a:t>
+            </a:r>
+            <a:r>
+              <a:rPr lang="en-US" altLang="zh-TW" sz="1800" dirty="0"/>
+              <a:t>&lt;neilyen@ms1.hinet.net&gt;, 0912-343212</a:t>
+            </a:r>
+          </a:p>
+          <a:p>
+            <a:endParaRPr lang="en-US" altLang="zh-TW" sz="1800" dirty="0"/>
+          </a:p>
+        </p:txBody>
+      </p:sp>
+    </p:spTree>
+    <p:extLst>
+      <p:ext uri="{BB962C8B-B14F-4D97-AF65-F5344CB8AC3E}">
+        <p14:creationId xmlns:p14="http://schemas.microsoft.com/office/powerpoint/2010/main" val="93107638"/>
       </p:ext>
     </p:extLst>
   </p:cSld>
